--- a/03_Proiectarea BD prin normalizare/03b_Atribute_Dependente_intre_atribute.pptx
+++ b/03_Proiectarea BD prin normalizare/03b_Atribute_Dependente_intre_atribute.pptx
@@ -305,7 +305,7 @@
           </a:lstStyle>
           <a:p>
             <a:fld id="{6AEF2FA2-73EF-3842-A370-CA3E42FDE7EE}" type="datetimeFigureOut">
-              <a:t>26/02/2020</a:t>
+              <a:t>24/03/2020</a:t>
             </a:fld>
             <a:endParaRPr lang="en-US"/>
           </a:p>
@@ -24651,7 +24651,9 @@
           </a:xfrm>
         </p:spPr>
         <p:txBody>
-          <a:bodyPr/>
+          <a:bodyPr>
+            <a:normAutofit/>
+          </a:bodyPr>
           <a:lstStyle/>
           <a:p>
             <a:pPr eaLnBrk="1" hangingPunct="1">
@@ -24659,42 +24661,42 @@
               <a:buNone/>
             </a:pPr>
             <a:r>
-              <a:rPr lang="ro-RO" sz="3600" dirty="0"/>
+              <a:rPr lang="ro-RO" sz="3200" dirty="0"/>
               <a:t>C.J. Date</a:t>
             </a:r>
             <a:r>
-              <a:rPr lang="en-US" sz="3600" dirty="0"/>
+              <a:rPr lang="en-US" sz="3200" dirty="0"/>
               <a:t>: </a:t>
             </a:r>
             <a:r>
-              <a:rPr lang="ro-RO" sz="3600" dirty="0"/>
+              <a:rPr lang="ro-RO" sz="3200" dirty="0"/>
               <a:t>Există o dependenţă multi-valoare între</a:t>
             </a:r>
             <a:r>
-              <a:rPr lang="en-US" sz="3600" dirty="0"/>
+              <a:rPr lang="en-US" sz="3200" dirty="0"/>
               <a:t> </a:t>
             </a:r>
             <a:r>
-              <a:rPr lang="ro-RO" sz="3600" dirty="0"/>
+              <a:rPr lang="ro-RO" sz="3200" dirty="0"/>
               <a:t> </a:t>
             </a:r>
             <a:r>
-              <a:rPr lang="en-GB" sz="3600" dirty="0"/>
+              <a:rPr lang="en-GB" sz="3200" dirty="0"/>
               <a:t>X </a:t>
             </a:r>
             <a:r>
-              <a:rPr lang="ro-RO" sz="3600" dirty="0"/>
+              <a:rPr lang="ro-RO" sz="3200" dirty="0"/>
               <a:t>şi </a:t>
             </a:r>
             <a:r>
-              <a:rPr lang="en-GB" sz="3600" dirty="0"/>
+              <a:rPr lang="en-GB" sz="3200" dirty="0"/>
               <a:t>Y</a:t>
             </a:r>
             <a:r>
-              <a:rPr lang="ro-RO" sz="3600" dirty="0"/>
+              <a:rPr lang="ro-RO" sz="3200" dirty="0"/>
               <a:t> în următoarea situaţie:  </a:t>
             </a:r>
-            <a:endParaRPr lang="en-US" sz="3600" dirty="0"/>
+            <a:endParaRPr lang="en-US" sz="3200" dirty="0"/>
           </a:p>
           <a:p>
             <a:pPr eaLnBrk="1" hangingPunct="1">
@@ -24702,10 +24704,10 @@
               <a:buNone/>
             </a:pPr>
             <a:r>
-              <a:rPr lang="ro-RO" sz="3600" i="1" dirty="0"/>
+              <a:rPr lang="ro-RO" sz="3200" i="1" dirty="0"/>
               <a:t>dacă (x,y,z) şi (x,y',z') sunt două tupluri ale relaţiei R, </a:t>
             </a:r>
-            <a:endParaRPr lang="en-US" sz="3600" i="1" dirty="0"/>
+            <a:endParaRPr lang="en-US" sz="3200" i="1" dirty="0"/>
           </a:p>
           <a:p>
             <a:pPr eaLnBrk="1" hangingPunct="1">
@@ -24713,15 +24715,15 @@
               <a:buNone/>
             </a:pPr>
             <a:r>
-              <a:rPr lang="en-US" sz="3600" b="1" i="1" dirty="0"/>
+              <a:rPr lang="en-US" sz="3200" b="1" i="1" dirty="0"/>
               <a:t>	</a:t>
             </a:r>
             <a:r>
-              <a:rPr lang="ro-RO" sz="3600" b="1" i="1" dirty="0"/>
+              <a:rPr lang="ro-RO" sz="3200" b="1" i="1" dirty="0"/>
               <a:t>atunci tuplurile (x,y',z) şi (x,y,z')  aparţin, de asemenea, lui R</a:t>
             </a:r>
             <a:r>
-              <a:rPr lang="ro-RO" sz="3600" b="1" dirty="0"/>
+              <a:rPr lang="ro-RO" sz="3200" b="1" dirty="0"/>
               <a:t>. </a:t>
             </a:r>
           </a:p>

--- a/03_Proiectarea BD prin normalizare/03b_Atribute_Dependente_intre_atribute.pptx
+++ b/03_Proiectarea BD prin normalizare/03b_Atribute_Dependente_intre_atribute.pptx
@@ -224,6 +224,65 @@
 </p:presentation>
 </file>
 
+<file path=ppt/changesInfos/changesInfo1.xml><?xml version="1.0" encoding="utf-8"?>
+<pc:chgInfo xmlns:a="http://schemas.openxmlformats.org/drawingml/2006/main" xmlns:r="http://schemas.openxmlformats.org/officeDocument/2006/relationships" xmlns:ac="http://schemas.microsoft.com/office/drawing/2013/main/command" xmlns:pc="http://schemas.microsoft.com/office/powerpoint/2013/main/command">
+  <pc:docChgLst>
+    <pc:chgData name="Marin Fotache" userId="9233cd031198ef03" providerId="LiveId" clId="{E0678540-CBB2-5C44-A376-F9CE28643155}"/>
+    <pc:docChg chg="custSel modSld">
+      <pc:chgData name="Marin Fotache" userId="9233cd031198ef03" providerId="LiveId" clId="{E0678540-CBB2-5C44-A376-F9CE28643155}" dt="2021-04-26T11:52:51.037" v="37" actId="113"/>
+      <pc:docMkLst>
+        <pc:docMk/>
+      </pc:docMkLst>
+      <pc:sldChg chg="modSp mod">
+        <pc:chgData name="Marin Fotache" userId="9233cd031198ef03" providerId="LiveId" clId="{E0678540-CBB2-5C44-A376-F9CE28643155}" dt="2021-04-26T11:52:34.079" v="36" actId="20577"/>
+        <pc:sldMkLst>
+          <pc:docMk/>
+          <pc:sldMk cId="0" sldId="326"/>
+        </pc:sldMkLst>
+        <pc:spChg chg="mod">
+          <ac:chgData name="Marin Fotache" userId="9233cd031198ef03" providerId="LiveId" clId="{E0678540-CBB2-5C44-A376-F9CE28643155}" dt="2021-04-26T11:52:34.079" v="36" actId="20577"/>
+          <ac:spMkLst>
+            <pc:docMk/>
+            <pc:sldMk cId="0" sldId="326"/>
+            <ac:spMk id="3" creationId="{00000000-0000-0000-0000-000000000000}"/>
+          </ac:spMkLst>
+        </pc:spChg>
+      </pc:sldChg>
+      <pc:sldChg chg="modSp mod">
+        <pc:chgData name="Marin Fotache" userId="9233cd031198ef03" providerId="LiveId" clId="{E0678540-CBB2-5C44-A376-F9CE28643155}" dt="2021-04-26T11:52:51.037" v="37" actId="113"/>
+        <pc:sldMkLst>
+          <pc:docMk/>
+          <pc:sldMk cId="0" sldId="336"/>
+        </pc:sldMkLst>
+        <pc:spChg chg="mod">
+          <ac:chgData name="Marin Fotache" userId="9233cd031198ef03" providerId="LiveId" clId="{E0678540-CBB2-5C44-A376-F9CE28643155}" dt="2021-04-26T11:52:51.037" v="37" actId="113"/>
+          <ac:spMkLst>
+            <pc:docMk/>
+            <pc:sldMk cId="0" sldId="336"/>
+            <ac:spMk id="3" creationId="{00000000-0000-0000-0000-000000000000}"/>
+          </ac:spMkLst>
+        </pc:spChg>
+      </pc:sldChg>
+      <pc:sldChg chg="modSp mod">
+        <pc:chgData name="Marin Fotache" userId="9233cd031198ef03" providerId="LiveId" clId="{E0678540-CBB2-5C44-A376-F9CE28643155}" dt="2021-04-26T11:51:32.042" v="22" actId="20577"/>
+        <pc:sldMkLst>
+          <pc:docMk/>
+          <pc:sldMk cId="306593460" sldId="338"/>
+        </pc:sldMkLst>
+        <pc:spChg chg="mod">
+          <ac:chgData name="Marin Fotache" userId="9233cd031198ef03" providerId="LiveId" clId="{E0678540-CBB2-5C44-A376-F9CE28643155}" dt="2021-04-26T11:51:32.042" v="22" actId="20577"/>
+          <ac:spMkLst>
+            <pc:docMk/>
+            <pc:sldMk cId="306593460" sldId="338"/>
+            <ac:spMk id="15363" creationId="{00000000-0000-0000-0000-000000000000}"/>
+          </ac:spMkLst>
+        </pc:spChg>
+      </pc:sldChg>
+    </pc:docChg>
+  </pc:docChgLst>
+</pc:chgInfo>
+</file>
+
 <file path=ppt/notesMasters/notesMaster1.xml><?xml version="1.0" encoding="utf-8"?>
 <p:notesMaster xmlns:a="http://schemas.openxmlformats.org/drawingml/2006/main" xmlns:r="http://schemas.openxmlformats.org/officeDocument/2006/relationships" xmlns:p="http://schemas.openxmlformats.org/presentationml/2006/main">
   <p:cSld>
@@ -305,7 +364,7 @@
           </a:lstStyle>
           <a:p>
             <a:fld id="{6AEF2FA2-73EF-3842-A370-CA3E42FDE7EE}" type="datetimeFigureOut">
-              <a:t>24/03/2020</a:t>
+              <a:t>26.04.2021</a:t>
             </a:fld>
             <a:endParaRPr lang="en-US"/>
           </a:p>
@@ -6148,15 +6207,15 @@
               <a:t> </a:t>
             </a:r>
             <a:r>
-              <a:rPr lang="ro-RO" dirty="0"/>
+              <a:rPr lang="ro-RO" b="1" dirty="0"/>
               <a:t>03c_Forme normale... </a:t>
             </a:r>
             <a:r>
-              <a:rPr lang="en-US" dirty="0"/>
+              <a:rPr lang="en-US" b="1" dirty="0"/>
               <a:t>.</a:t>
             </a:r>
             <a:r>
-              <a:rPr lang="en-US" dirty="0" err="1"/>
+              <a:rPr lang="en-US" b="1" dirty="0" err="1"/>
               <a:t>PPTx</a:t>
             </a:r>
             <a:r>
@@ -10219,10 +10278,46 @@
           <a:p>
             <a:pPr marL="365760" indent="-283464"/>
             <a:r>
-              <a:rPr lang="en-US">
+              <a:rPr lang="en-US" dirty="0">
                 <a:cs typeface="Avenir Light"/>
               </a:rPr>
-              <a:t>04a Atributele unei baze de date</a:t>
+              <a:t>04a </a:t>
+            </a:r>
+            <a:r>
+              <a:rPr lang="en-US" dirty="0" err="1">
+                <a:cs typeface="Avenir Light"/>
+              </a:rPr>
+              <a:t>Atributele</a:t>
+            </a:r>
+            <a:r>
+              <a:rPr lang="en-US" dirty="0">
+                <a:cs typeface="Avenir Light"/>
+              </a:rPr>
+              <a:t> </a:t>
+            </a:r>
+            <a:r>
+              <a:rPr lang="en-US" dirty="0" err="1">
+                <a:cs typeface="Avenir Light"/>
+              </a:rPr>
+              <a:t>unei</a:t>
+            </a:r>
+            <a:r>
+              <a:rPr lang="en-US" dirty="0">
+                <a:cs typeface="Avenir Light"/>
+              </a:rPr>
+              <a:t> </a:t>
+            </a:r>
+            <a:r>
+              <a:rPr lang="en-US" dirty="0" err="1">
+                <a:cs typeface="Avenir Light"/>
+              </a:rPr>
+              <a:t>baze</a:t>
+            </a:r>
+            <a:r>
+              <a:rPr lang="en-US" dirty="0">
+                <a:cs typeface="Avenir Light"/>
+              </a:rPr>
+              <a:t> de date</a:t>
             </a:r>
           </a:p>
           <a:p>
@@ -10230,20 +10325,20 @@
               <a:buNone/>
             </a:pPr>
             <a:r>
-              <a:rPr lang="en-US" sz="2400">
+              <a:rPr lang="en-US" sz="2400" dirty="0">
                 <a:hlinkClick r:id="rId3"/>
               </a:rPr>
               <a:t>https://1drv.ms/v/s!AgPvmBEDzTOSwRbXY7AY-2jL5yk0</a:t>
             </a:r>
-            <a:endParaRPr lang="en-US" sz="2400"/>
+            <a:endParaRPr lang="en-US" sz="2400" dirty="0"/>
           </a:p>
           <a:p>
             <a:pPr marL="539496"/>
             <a:r>
-              <a:rPr lang="ro-RO">
+              <a:rPr lang="ro-RO" dirty="0">
                 <a:cs typeface="Avenir Light"/>
               </a:rPr>
-              <a:t>04b Tipologia dependentelor. Dependente functionale</a:t>
+              <a:t>04b Tipologia dependențelor. Dependențe funcționale</a:t>
             </a:r>
           </a:p>
           <a:p>
@@ -10251,22 +10346,22 @@
               <a:buNone/>
             </a:pPr>
             <a:r>
-              <a:rPr lang="ro-RO" sz="2400">
+              <a:rPr lang="ro-RO" sz="2400" dirty="0">
                 <a:hlinkClick r:id="rId4"/>
               </a:rPr>
               <a:t>https://1drv.ms/v/s!AgPvmBEDzTOSwRWObHN5w8DRlhZf</a:t>
             </a:r>
-            <a:endParaRPr lang="ro-RO" sz="2400"/>
+            <a:endParaRPr lang="ro-RO" sz="2400" dirty="0"/>
           </a:p>
           <a:p>
             <a:pPr marL="365760" indent="-283464"/>
             <a:r>
-              <a:rPr lang="ro-RO">
+              <a:rPr lang="ro-RO" dirty="0">
                 <a:cs typeface="Avenir Light"/>
               </a:rPr>
-              <a:t>04c Dependente functionale cu sursa compusa. DF partiale si tranzitive</a:t>
-            </a:r>
-            <a:endParaRPr lang="ro-RO" sz="2400">
+              <a:t>04c Dependențe funcționale cu sursa compusă. DF parțiale și tranzitive</a:t>
+            </a:r>
+            <a:endParaRPr lang="ro-RO" sz="2400" dirty="0">
               <a:hlinkClick r:id="rId5"/>
             </a:endParaRPr>
           </a:p>
@@ -10275,22 +10370,28 @@
               <a:buNone/>
             </a:pPr>
             <a:r>
-              <a:rPr lang="ro-RO" sz="2400">
+              <a:rPr lang="ro-RO" sz="2400" dirty="0">
                 <a:hlinkClick r:id="rId6"/>
               </a:rPr>
               <a:t>https://1drv.ms/v/s!AgPvmBEDzTOSwRQOLb3RbvaiKU-5</a:t>
             </a:r>
-            <a:endParaRPr lang="ro-RO" sz="2400"/>
+            <a:endParaRPr lang="ro-RO" sz="2400" dirty="0"/>
           </a:p>
           <a:p>
             <a:pPr marL="365760" indent="-283464"/>
             <a:r>
-              <a:rPr lang="ro-RO">
+              <a:rPr lang="ro-RO" dirty="0">
                 <a:cs typeface="Avenir Light"/>
               </a:rPr>
-              <a:t>04d_Dependente de incluziune si multivaloare</a:t>
-            </a:r>
-            <a:endParaRPr lang="ro-RO" sz="2400">
+              <a:t>04d_Dependențe de incluziune și </a:t>
+            </a:r>
+            <a:r>
+              <a:rPr lang="ro-RO" dirty="0" err="1">
+                <a:cs typeface="Avenir Light"/>
+              </a:rPr>
+              <a:t>multivaloare</a:t>
+            </a:r>
+            <a:endParaRPr lang="ro-RO" sz="2400" dirty="0">
               <a:hlinkClick r:id="rId7"/>
             </a:endParaRPr>
           </a:p>
@@ -10299,12 +10400,12 @@
               <a:buNone/>
             </a:pPr>
             <a:r>
-              <a:rPr lang="ro-RO" sz="2400">
+              <a:rPr lang="ro-RO" sz="2400" dirty="0">
                 <a:hlinkClick r:id="rId8"/>
               </a:rPr>
               <a:t>https://1drv.ms/v/s!AgPvmBEDzTOSwRMBH5tto_Bgl5sz</a:t>
             </a:r>
-            <a:endParaRPr lang="ro-RO" sz="2400"/>
+            <a:endParaRPr lang="ro-RO" sz="2400" dirty="0"/>
           </a:p>
         </p:txBody>
       </p:sp>
@@ -26911,8 +27012,12 @@
               </a:lnSpc>
             </a:pPr>
             <a:r>
+              <a:rPr lang="en-US" dirty="0" err="1"/>
+              <a:t>Pentru</a:t>
+            </a:r>
+            <a:r>
               <a:rPr lang="en-US" dirty="0"/>
-              <a:t>Pt. </a:t>
+              <a:t> </a:t>
             </a:r>
             <a:r>
               <a:rPr lang="en-US" dirty="0" err="1"/>
@@ -26987,7 +27092,7 @@
             </a:pPr>
             <a:r>
               <a:rPr lang="ro-RO" dirty="0"/>
-              <a:t>Pt. BD dedicată unui CABINET STOMATOLOGI</a:t>
+              <a:t>Pentru BD dedicată unui CABINET STOMATOLOGI</a:t>
             </a:r>
             <a:r>
               <a:rPr lang="en-US" dirty="0"/>

--- a/03_Proiectarea BD prin normalizare/03b_Atribute_Dependente_intre_atribute.pptx
+++ b/03_Proiectarea BD prin normalizare/03b_Atribute_Dependente_intre_atribute.pptx
@@ -224,6 +224,14 @@
 </p:presentation>
 </file>
 
+<file path=ppt/revisionInfo.xml><?xml version="1.0" encoding="utf-8"?>
+<p1510:revInfo xmlns:a="http://schemas.openxmlformats.org/drawingml/2006/main" xmlns:r="http://schemas.openxmlformats.org/officeDocument/2006/relationships" xmlns:p1510="http://schemas.microsoft.com/office/powerpoint/2015/10/main">
+  <p1510:revLst>
+    <p1510:client id="{B9E729CB-ABAE-8844-84B5-FA7E35F8826F}" v="8" dt="2022-05-11T10:44:54.557"/>
+  </p1510:revLst>
+</p1510:revInfo>
+</file>
+
 <file path=ppt/changesInfos/changesInfo1.xml><?xml version="1.0" encoding="utf-8"?>
 <pc:chgInfo xmlns:a="http://schemas.openxmlformats.org/drawingml/2006/main" xmlns:r="http://schemas.openxmlformats.org/officeDocument/2006/relationships" xmlns:ac="http://schemas.microsoft.com/office/drawing/2013/main/command" xmlns:pc="http://schemas.microsoft.com/office/powerpoint/2013/main/command">
   <pc:docChgLst>
@@ -280,6 +288,30 @@
       </pc:sldChg>
     </pc:docChg>
   </pc:docChgLst>
+  <pc:docChgLst>
+    <pc:chgData name="Marin Fotache" userId="9233cd031198ef03" providerId="LiveId" clId="{B9E729CB-ABAE-8844-84B5-FA7E35F8826F}"/>
+    <pc:docChg chg="undo custSel modSld">
+      <pc:chgData name="Marin Fotache" userId="9233cd031198ef03" providerId="LiveId" clId="{B9E729CB-ABAE-8844-84B5-FA7E35F8826F}" dt="2022-05-11T10:44:54.551" v="20" actId="20577"/>
+      <pc:docMkLst>
+        <pc:docMk/>
+      </pc:docMkLst>
+      <pc:sldChg chg="modSp mod">
+        <pc:chgData name="Marin Fotache" userId="9233cd031198ef03" providerId="LiveId" clId="{B9E729CB-ABAE-8844-84B5-FA7E35F8826F}" dt="2022-05-11T10:44:54.551" v="20" actId="20577"/>
+        <pc:sldMkLst>
+          <pc:docMk/>
+          <pc:sldMk cId="306593460" sldId="338"/>
+        </pc:sldMkLst>
+        <pc:spChg chg="mod">
+          <ac:chgData name="Marin Fotache" userId="9233cd031198ef03" providerId="LiveId" clId="{B9E729CB-ABAE-8844-84B5-FA7E35F8826F}" dt="2022-05-11T10:44:54.551" v="20" actId="20577"/>
+          <ac:spMkLst>
+            <pc:docMk/>
+            <pc:sldMk cId="306593460" sldId="338"/>
+            <ac:spMk id="15363" creationId="{00000000-0000-0000-0000-000000000000}"/>
+          </ac:spMkLst>
+        </pc:spChg>
+      </pc:sldChg>
+    </pc:docChg>
+  </pc:docChgLst>
 </pc:chgInfo>
 </file>
 
@@ -364,7 +396,7 @@
           </a:lstStyle>
           <a:p>
             <a:fld id="{6AEF2FA2-73EF-3842-A370-CA3E42FDE7EE}" type="datetimeFigureOut">
-              <a:t>26.04.2021</a:t>
+              <a:t>11.05.2022</a:t>
             </a:fld>
             <a:endParaRPr lang="en-US"/>
           </a:p>
@@ -10325,12 +10357,18 @@
               <a:buNone/>
             </a:pPr>
             <a:r>
-              <a:rPr lang="en-US" sz="2400" dirty="0">
+              <a:rPr lang="en-US" sz="2000" dirty="0">
                 <a:hlinkClick r:id="rId3"/>
               </a:rPr>
-              <a:t>https://1drv.ms/v/s!AgPvmBEDzTOSwRbXY7AY-2jL5yk0</a:t>
-            </a:r>
-            <a:endParaRPr lang="en-US" sz="2400" dirty="0"/>
+              <a:t>https://1drv.ms/v/s!AgPvmBEDzTOSjrtlVB88xGVanCl2cA?e=nLI2aC</a:t>
+            </a:r>
+            <a:endParaRPr lang="en-US" sz="2000" dirty="0"/>
+          </a:p>
+          <a:p>
+            <a:pPr marL="539496"/>
+            <a:endParaRPr lang="ro-RO" sz="500" dirty="0">
+              <a:cs typeface="Avenir Light"/>
+            </a:endParaRPr>
           </a:p>
           <a:p>
             <a:pPr marL="539496"/>
@@ -10346,12 +10384,18 @@
               <a:buNone/>
             </a:pPr>
             <a:r>
-              <a:rPr lang="ro-RO" sz="2400" dirty="0">
+              <a:rPr lang="ro-RO" sz="2000" dirty="0">
                 <a:hlinkClick r:id="rId4"/>
               </a:rPr>
-              <a:t>https://1drv.ms/v/s!AgPvmBEDzTOSwRWObHN5w8DRlhZf</a:t>
-            </a:r>
-            <a:endParaRPr lang="ro-RO" sz="2400" dirty="0"/>
+              <a:t>https://1drv.ms/v/s!AgPvmBEDzTOSjrtmRvxBT7dsGBpmDw?e=wYTVgB</a:t>
+            </a:r>
+            <a:endParaRPr lang="ro-RO" sz="2000" dirty="0"/>
+          </a:p>
+          <a:p>
+            <a:pPr marL="82296" indent="0">
+              <a:buNone/>
+            </a:pPr>
+            <a:endParaRPr lang="ro-RO" sz="500" dirty="0"/>
           </a:p>
           <a:p>
             <a:pPr marL="365760" indent="-283464"/>
@@ -10370,12 +10414,18 @@
               <a:buNone/>
             </a:pPr>
             <a:r>
-              <a:rPr lang="ro-RO" sz="2400" dirty="0">
+              <a:rPr lang="ro-RO" sz="2000" dirty="0">
                 <a:hlinkClick r:id="rId6"/>
               </a:rPr>
-              <a:t>https://1drv.ms/v/s!AgPvmBEDzTOSwRQOLb3RbvaiKU-5</a:t>
-            </a:r>
-            <a:endParaRPr lang="ro-RO" sz="2400" dirty="0"/>
+              <a:t>https://1drv.ms/v/s!AgPvmBEDzTOSjrtkQfL5whhXMoAq5Q?e=blivcf</a:t>
+            </a:r>
+            <a:endParaRPr lang="ro-RO" sz="2000" dirty="0"/>
+          </a:p>
+          <a:p>
+            <a:pPr marL="82550" indent="0">
+              <a:buNone/>
+            </a:pPr>
+            <a:endParaRPr lang="ro-RO" sz="500" dirty="0"/>
           </a:p>
           <a:p>
             <a:pPr marL="365760" indent="-283464"/>
@@ -10400,12 +10450,18 @@
               <a:buNone/>
             </a:pPr>
             <a:r>
-              <a:rPr lang="ro-RO" sz="2400" dirty="0">
+              <a:rPr lang="ro-RO" sz="2000" dirty="0">
                 <a:hlinkClick r:id="rId8"/>
               </a:rPr>
-              <a:t>https://1drv.ms/v/s!AgPvmBEDzTOSwRMBH5tto_Bgl5sz</a:t>
-            </a:r>
-            <a:endParaRPr lang="ro-RO" sz="2400" dirty="0"/>
+              <a:t>https://1drv.ms/v/s!AgPvmBEDzTOSjrtnuWEGduJFOm1DJw?e=gkdOMq</a:t>
+            </a:r>
+            <a:endParaRPr lang="ro-RO" sz="2000"/>
+          </a:p>
+          <a:p>
+            <a:pPr marL="82550" indent="0">
+              <a:buNone/>
+            </a:pPr>
+            <a:endParaRPr lang="ro-RO" sz="2000" dirty="0"/>
           </a:p>
         </p:txBody>
       </p:sp>
@@ -19661,7 +19717,7 @@
         </p:nvSpPr>
         <p:spPr>
           <a:xfrm>
-            <a:off x="2416627" y="1565783"/>
+            <a:off x="2362837" y="1372145"/>
             <a:ext cx="3933159" cy="715080"/>
           </a:xfrm>
         </p:spPr>
@@ -19676,12 +19732,18 @@
               <a:buNone/>
             </a:pPr>
             <a:r>
-              <a:rPr lang="ro-RO">
+              <a:rPr lang="ro-RO" dirty="0">
                 <a:cs typeface="Avenir Light"/>
               </a:rPr>
-              <a:t>			TipBursăCurentă</a:t>
-            </a:r>
-            <a:endParaRPr lang="en-US">
+              <a:t>			</a:t>
+            </a:r>
+            <a:r>
+              <a:rPr lang="ro-RO" dirty="0" err="1">
+                <a:cs typeface="Avenir Light"/>
+              </a:rPr>
+              <a:t>TipBursăCurentă</a:t>
+            </a:r>
+            <a:endParaRPr lang="en-US" dirty="0">
               <a:cs typeface="Avenir Light"/>
             </a:endParaRPr>
           </a:p>
@@ -19731,8 +19793,8 @@
         </p:nvSpPr>
         <p:spPr>
           <a:xfrm>
-            <a:off x="665807" y="2614762"/>
-            <a:ext cx="2082077" cy="652419"/>
+            <a:off x="210585" y="2614135"/>
+            <a:ext cx="2650653" cy="829904"/>
           </a:xfrm>
           <a:prstGeom prst="rect">
             <a:avLst/>
@@ -19740,7 +19802,7 @@
         </p:spPr>
         <p:txBody>
           <a:bodyPr>
-            <a:normAutofit fontScale="70000" lnSpcReduction="20000"/>
+            <a:noAutofit/>
           </a:bodyPr>
           <a:lstStyle>
             <a:lvl1pPr marL="539750" indent="-457200" algn="l" eaLnBrk="1" latinLnBrk="0" hangingPunct="1">
@@ -20023,7 +20085,7 @@
         </p:nvSpPr>
         <p:spPr>
           <a:xfrm>
-            <a:off x="2517630" y="4247572"/>
+            <a:off x="3433858" y="4085699"/>
             <a:ext cx="3573234" cy="808038"/>
           </a:xfrm>
           <a:prstGeom prst="rect">
